--- a/Presentation.pptx
+++ b/Presentation.pptx
@@ -747,11 +747,11 @@
           <a:p>
             <a:r>
               <a:rPr lang="en-US" dirty="0" smtClean="0"/>
-              <a:t>That our project</a:t>
+              <a:t>This is our project</a:t>
             </a:r>
             <a:r>
               <a:rPr lang="en-US" baseline="0" dirty="0" smtClean="0"/>
-              <a:t> structure. I’ll explain each part of them in the next.</a:t>
+              <a:t> structure. I’ll explain each part of them in the next. slides</a:t>
             </a:r>
             <a:endParaRPr lang="en-US" dirty="0"/>
           </a:p>
@@ -927,7 +927,7 @@
             </a:r>
             <a:r>
               <a:rPr lang="en-US" baseline="0" dirty="0" smtClean="0"/>
-              <a:t> and Rating </a:t>
+              <a:t> and Review </a:t>
             </a:r>
             <a:r>
               <a:rPr lang="en-US" baseline="0" dirty="0" err="1" smtClean="0"/>
@@ -1068,7 +1068,7 @@
             </a:r>
             <a:r>
               <a:rPr lang="en-US" baseline="0" dirty="0" smtClean="0"/>
-              <a:t> into RDD, which will be used in the nest training model part.</a:t>
+              <a:t> into RDD, which will be used in the next training model part.</a:t>
             </a:r>
             <a:r>
               <a:rPr lang="en-US" sz="1200" b="0" i="0" u="none" strike="noStrike" kern="1200" dirty="0" smtClean="0">
@@ -1368,7 +1368,7 @@
             </a:r>
             <a:r>
               <a:rPr lang="en-US" baseline="0" dirty="0" smtClean="0"/>
-              <a:t>t tasted, what we are going to do is to predict the missing rating. </a:t>
+              <a:t>t tasted, what we are going to do is to predict the missing rating, to fill the empty cell </a:t>
             </a:r>
             <a:endParaRPr lang="en-US" dirty="0"/>
           </a:p>
@@ -1669,9 +1669,20 @@
                 <a:ea typeface="+mn-ea"/>
                 <a:cs typeface="+mn-cs"/>
               </a:rPr>
-              <a:t> interests </a:t>
-            </a:r>
-            <a:endParaRPr lang="en-US" dirty="0" smtClean="0"/>
+              <a:t> interests.</a:t>
+            </a:r>
+            <a:r>
+              <a:rPr lang="en-US" sz="1200" kern="1200" baseline="0" dirty="0" smtClean="0">
+                <a:solidFill>
+                  <a:schemeClr val="tx1"/>
+                </a:solidFill>
+                <a:effectLst/>
+                <a:latin typeface="+mn-lt"/>
+                <a:ea typeface="+mn-ea"/>
+                <a:cs typeface="+mn-cs"/>
+              </a:rPr>
+              <a:t> In our project, it is used to predict the rating that user might give to particular restaurant. </a:t>
+            </a:r>
           </a:p>
           <a:p>
             <a:pPr marL="0" marR="0" indent="0" algn="l" defTabSz="914400" rtl="0" eaLnBrk="1" fontAlgn="auto" latinLnBrk="0" hangingPunct="1">
@@ -1692,8 +1703,52 @@
               <a:defRPr/>
             </a:pPr>
             <a:r>
+              <a:rPr lang="en-US" sz="1200" kern="1200" baseline="0" dirty="0" err="1" smtClean="0">
+                <a:solidFill>
+                  <a:schemeClr val="tx1"/>
+                </a:solidFill>
+                <a:effectLst/>
+                <a:latin typeface="+mn-lt"/>
+                <a:ea typeface="+mn-ea"/>
+                <a:cs typeface="+mn-cs"/>
+              </a:rPr>
+              <a:t>Als</a:t>
+            </a:r>
+            <a:r>
+              <a:rPr lang="en-US" sz="1200" kern="1200" baseline="0" dirty="0" smtClean="0">
+                <a:solidFill>
+                  <a:schemeClr val="tx1"/>
+                </a:solidFill>
+                <a:effectLst/>
+                <a:latin typeface="+mn-lt"/>
+                <a:ea typeface="+mn-ea"/>
+                <a:cs typeface="+mn-cs"/>
+              </a:rPr>
+              <a:t> will give back a model of predicts. </a:t>
+            </a:r>
+            <a:endParaRPr lang="en-US" dirty="0" smtClean="0"/>
+          </a:p>
+          <a:p>
+            <a:pPr marL="0" marR="0" indent="0" algn="l" defTabSz="914400" rtl="0" eaLnBrk="1" fontAlgn="auto" latinLnBrk="0" hangingPunct="1">
+              <a:lnSpc>
+                <a:spcPct val="100000"/>
+              </a:lnSpc>
+              <a:spcBef>
+                <a:spcPts val="0"/>
+              </a:spcBef>
+              <a:spcAft>
+                <a:spcPts val="0"/>
+              </a:spcAft>
+              <a:buClrTx/>
+              <a:buSzTx/>
+              <a:buFontTx/>
+              <a:buNone/>
+              <a:tabLst/>
+              <a:defRPr/>
+            </a:pPr>
+            <a:r>
               <a:rPr lang="en-US" baseline="0" dirty="0" smtClean="0"/>
-              <a:t>In this process, We modify the training parameter to get several models, and calculate RMSE with </a:t>
+              <a:t>In this process, We modify the training parameter sets to get several models, and calculate RMSE with </a:t>
             </a:r>
             <a:r>
               <a:rPr lang="en-US" baseline="0" dirty="0" err="1" smtClean="0"/>
@@ -1845,7 +1900,7 @@
             </a:r>
             <a:r>
               <a:rPr lang="en-US" baseline="0" dirty="0" smtClean="0"/>
-              <a:t> back a rank of these restaurant in this location.</a:t>
+              <a:t> back the rank of these restaurant in this location.</a:t>
             </a:r>
             <a:endParaRPr lang="en-US" dirty="0"/>
           </a:p>
@@ -1931,6 +1986,18 @@
           <a:bodyPr/>
           <a:lstStyle/>
           <a:p>
+            <a:r>
+              <a:rPr lang="en-US" dirty="0" smtClean="0"/>
+              <a:t>when the RMSE &lt; 1 , we can verify</a:t>
+            </a:r>
+            <a:r>
+              <a:rPr lang="en-US" baseline="0" dirty="0" smtClean="0"/>
+              <a:t> </a:t>
+            </a:r>
+            <a:r>
+              <a:rPr lang="en-US" baseline="0" smtClean="0"/>
+              <a:t>the quality of this model</a:t>
+            </a:r>
             <a:endParaRPr lang="en-US" dirty="0"/>
           </a:p>
         </p:txBody>
@@ -5965,7 +6032,12 @@
             <p:ph idx="1"/>
           </p:nvPr>
         </p:nvSpPr>
-        <p:spPr/>
+        <p:spPr>
+          <a:xfrm>
+            <a:off x="1451580" y="1732548"/>
+            <a:ext cx="9473094" cy="3733798"/>
+          </a:xfrm>
+        </p:spPr>
         <p:txBody>
           <a:bodyPr/>
           <a:lstStyle/>
@@ -6039,6 +6111,30 @@
           <a:xfrm>
             <a:off x="1953527" y="4370803"/>
             <a:ext cx="2971800" cy="469900"/>
+          </a:xfrm>
+          <a:prstGeom prst="rect">
+            <a:avLst/>
+          </a:prstGeom>
+        </p:spPr>
+      </p:pic>
+      <p:pic>
+        <p:nvPicPr>
+          <p:cNvPr id="6" name="Picture 5"/>
+          <p:cNvPicPr>
+            <a:picLocks noChangeAspect="1"/>
+          </p:cNvPicPr>
+          <p:nvPr/>
+        </p:nvPicPr>
+        <p:blipFill>
+          <a:blip r:embed="rId4"/>
+          <a:stretch>
+            <a:fillRect/>
+          </a:stretch>
+        </p:blipFill>
+        <p:spPr>
+          <a:xfrm>
+            <a:off x="5515275" y="3392665"/>
+            <a:ext cx="6403273" cy="1956276"/>
           </a:xfrm>
           <a:prstGeom prst="rect">
             <a:avLst/>
@@ -6392,7 +6488,7 @@
           <a:lstStyle/>
           <a:p>
             <a:r>
-              <a:rPr lang="en-US" altLang="zh-CN" smtClean="0"/>
+              <a:rPr lang="en-US" altLang="zh-CN" dirty="0" smtClean="0"/>
               <a:t>Use </a:t>
             </a:r>
             <a:r>
@@ -7244,8 +7340,8 @@
         </p:blipFill>
         <p:spPr>
           <a:xfrm>
-            <a:off x="6783003" y="1957292"/>
-            <a:ext cx="4343400" cy="3556000"/>
+            <a:off x="8212594" y="1957292"/>
+            <a:ext cx="2723416" cy="2229697"/>
           </a:xfrm>
           <a:prstGeom prst="rect">
             <a:avLst/>
@@ -7449,8 +7545,8 @@
         </p:blipFill>
         <p:spPr>
           <a:xfrm>
-            <a:off x="7229526" y="2030996"/>
-            <a:ext cx="4493242" cy="2646881"/>
+            <a:off x="7950467" y="1957292"/>
+            <a:ext cx="3271787" cy="1927346"/>
           </a:xfrm>
           <a:prstGeom prst="rect">
             <a:avLst/>
